--- a/项目展示幻灯片/个人汇报 毕一帆.pptx
+++ b/项目展示幻灯片/个人汇报 毕一帆.pptx
@@ -169,6 +169,9 @@
           </p14:sldIdLst>
         </p14:section>
       </p14:sectionLst>
+    </p:ext>
+    <p:ext uri="{EFAFB233-063F-42B5-8137-9DF3F51BA10A}">
+      <p15:sldGuideLst xmlns:p15="http://schemas.microsoft.com/office/powerpoint/2012/main"/>
     </p:ext>
   </p:extLst>
 </p:presentation>
@@ -4409,8 +4412,8 @@
           <a:chExt cx="0" cy="0"/>
         </a:xfrm>
       </p:grpSpPr>
-      <mc:AlternateContent xmlns:mc="http://schemas.openxmlformats.org/markup-compatibility/2006">
-        <mc:Choice xmlns:psez="http://schemas.microsoft.com/office/powerpoint/2016/sectionzoom" Requires="psez">
+      <mc:AlternateContent xmlns:mc="http://schemas.openxmlformats.org/markup-compatibility/2006" xmlns:psez="http://schemas.microsoft.com/office/powerpoint/2016/sectionzoom">
+        <mc:Choice Requires="psez">
           <p:graphicFrame>
             <p:nvGraphicFramePr>
               <p:cNvPr id="5" name="节缩放定位 4">
@@ -4467,7 +4470,7 @@
             </a:graphic>
           </p:graphicFrame>
         </mc:Choice>
-        <mc:Fallback>
+        <mc:Fallback xmlns="">
           <p:pic>
             <p:nvPicPr>
               <p:cNvPr id="5" name="节缩放定位 4">
@@ -4484,7 +4487,7 @@
               <p:nvPr/>
             </p:nvPicPr>
             <p:blipFill>
-              <a:blip r:embed="rId2"/>
+              <a:blip r:embed="rId4"/>
               <a:stretch>
                 <a:fillRect/>
               </a:stretch>
@@ -4506,8 +4509,8 @@
           </p:pic>
         </mc:Fallback>
       </mc:AlternateContent>
-      <mc:AlternateContent xmlns:mc="http://schemas.openxmlformats.org/markup-compatibility/2006">
-        <mc:Choice xmlns:psez="http://schemas.microsoft.com/office/powerpoint/2016/sectionzoom" Requires="psez">
+      <mc:AlternateContent xmlns:mc="http://schemas.openxmlformats.org/markup-compatibility/2006" xmlns:psez="http://schemas.microsoft.com/office/powerpoint/2016/sectionzoom">
+        <mc:Choice Requires="psez">
           <p:graphicFrame>
             <p:nvGraphicFramePr>
               <p:cNvPr id="7" name="节缩放定位 6">
@@ -4538,7 +4541,7 @@
                   <psez:sectionZmObj sectionId="{B6597F0B-C168-4AA7-AE73-C7F5CAD97EED}">
                     <psez:zmPr id="{4CAD504D-884C-47AB-8BC1-54B51ACC6F2A}" transitionDur="1000">
                       <p166:blipFill xmlns:p166="http://schemas.microsoft.com/office/powerpoint/2016/6/main">
-                        <a:blip r:embed="rId4"/>
+                        <a:blip r:embed="rId5"/>
                         <a:stretch>
                           <a:fillRect/>
                         </a:stretch>
@@ -4564,11 +4567,11 @@
             </a:graphic>
           </p:graphicFrame>
         </mc:Choice>
-        <mc:Fallback>
+        <mc:Fallback xmlns="">
           <p:pic>
             <p:nvPicPr>
               <p:cNvPr id="7" name="节缩放定位 6">
-                <a:hlinkClick r:id="rId5" action="ppaction://hlinksldjump"/>
+                <a:hlinkClick r:id="rId6" action="ppaction://hlinksldjump"/>
                 <a:extLst>
                   <a:ext uri="{FF2B5EF4-FFF2-40B4-BE49-F238E27FC236}">
                     <a16:creationId xmlns:a16="http://schemas.microsoft.com/office/drawing/2014/main" id="{73BF43B5-DD61-2210-8437-4434ADCDE28D}"/>
@@ -4581,7 +4584,7 @@
               <p:nvPr/>
             </p:nvPicPr>
             <p:blipFill>
-              <a:blip r:embed="rId4"/>
+              <a:blip r:embed="rId7"/>
               <a:stretch>
                 <a:fillRect/>
               </a:stretch>
@@ -4603,8 +4606,8 @@
           </p:pic>
         </mc:Fallback>
       </mc:AlternateContent>
-      <mc:AlternateContent xmlns:mc="http://schemas.openxmlformats.org/markup-compatibility/2006">
-        <mc:Choice xmlns:psez="http://schemas.microsoft.com/office/powerpoint/2016/sectionzoom" Requires="psez">
+      <mc:AlternateContent xmlns:mc="http://schemas.openxmlformats.org/markup-compatibility/2006" xmlns:psez="http://schemas.microsoft.com/office/powerpoint/2016/sectionzoom">
+        <mc:Choice Requires="psez">
           <p:graphicFrame>
             <p:nvGraphicFramePr>
               <p:cNvPr id="9" name="节缩放定位 8">
@@ -4635,7 +4638,7 @@
                   <psez:sectionZmObj sectionId="{537B9287-53F2-4302-B210-8CC752BA2B5F}">
                     <psez:zmPr id="{D9C2399A-D262-4A0A-B4BD-6492A5688DC9}" transitionDur="1000">
                       <p166:blipFill xmlns:p166="http://schemas.microsoft.com/office/powerpoint/2016/6/main">
-                        <a:blip r:embed="rId6"/>
+                        <a:blip r:embed="rId8"/>
                         <a:stretch>
                           <a:fillRect/>
                         </a:stretch>
@@ -4661,11 +4664,11 @@
             </a:graphic>
           </p:graphicFrame>
         </mc:Choice>
-        <mc:Fallback>
+        <mc:Fallback xmlns="">
           <p:pic>
             <p:nvPicPr>
               <p:cNvPr id="9" name="节缩放定位 8">
-                <a:hlinkClick r:id="rId7" action="ppaction://hlinksldjump"/>
+                <a:hlinkClick r:id="rId9" action="ppaction://hlinksldjump"/>
                 <a:extLst>
                   <a:ext uri="{FF2B5EF4-FFF2-40B4-BE49-F238E27FC236}">
                     <a16:creationId xmlns:a16="http://schemas.microsoft.com/office/drawing/2014/main" id="{4160D680-DB51-C3CB-5DE8-5907360F0262}"/>
@@ -4678,7 +4681,7 @@
               <p:nvPr/>
             </p:nvPicPr>
             <p:blipFill>
-              <a:blip r:embed="rId6"/>
+              <a:blip r:embed="rId10"/>
               <a:stretch>
                 <a:fillRect/>
               </a:stretch>
@@ -4700,8 +4703,8 @@
           </p:pic>
         </mc:Fallback>
       </mc:AlternateContent>
-      <mc:AlternateContent xmlns:mc="http://schemas.openxmlformats.org/markup-compatibility/2006">
-        <mc:Choice xmlns:psez="http://schemas.microsoft.com/office/powerpoint/2016/sectionzoom" Requires="psez">
+      <mc:AlternateContent xmlns:mc="http://schemas.openxmlformats.org/markup-compatibility/2006" xmlns:psez="http://schemas.microsoft.com/office/powerpoint/2016/sectionzoom">
+        <mc:Choice Requires="psez">
           <p:graphicFrame>
             <p:nvGraphicFramePr>
               <p:cNvPr id="11" name="节缩放定位 10">
@@ -4732,7 +4735,7 @@
                   <psez:sectionZmObj sectionId="{5B770AD4-627A-4DB0-804A-FF09E884897A}">
                     <psez:zmPr id="{1B1CC95E-48EA-4AF3-B376-4A8A0F3C4959}" transitionDur="1000">
                       <p166:blipFill xmlns:p166="http://schemas.microsoft.com/office/powerpoint/2016/6/main">
-                        <a:blip r:embed="rId8"/>
+                        <a:blip r:embed="rId11"/>
                         <a:stretch>
                           <a:fillRect/>
                         </a:stretch>
@@ -4758,11 +4761,11 @@
             </a:graphic>
           </p:graphicFrame>
         </mc:Choice>
-        <mc:Fallback>
+        <mc:Fallback xmlns="">
           <p:pic>
             <p:nvPicPr>
               <p:cNvPr id="11" name="节缩放定位 10">
-                <a:hlinkClick r:id="rId9" action="ppaction://hlinksldjump"/>
+                <a:hlinkClick r:id="rId12" action="ppaction://hlinksldjump"/>
                 <a:extLst>
                   <a:ext uri="{FF2B5EF4-FFF2-40B4-BE49-F238E27FC236}">
                     <a16:creationId xmlns:a16="http://schemas.microsoft.com/office/drawing/2014/main" id="{5DF9459C-DE6C-4424-85F6-865E8FB5896E}"/>
@@ -4775,7 +4778,7 @@
               <p:nvPr/>
             </p:nvPicPr>
             <p:blipFill>
-              <a:blip r:embed="rId8"/>
+              <a:blip r:embed="rId13"/>
               <a:stretch>
                 <a:fillRect/>
               </a:stretch>
@@ -4797,8 +4800,8 @@
           </p:pic>
         </mc:Fallback>
       </mc:AlternateContent>
-      <mc:AlternateContent xmlns:mc="http://schemas.openxmlformats.org/markup-compatibility/2006">
-        <mc:Choice xmlns:psez="http://schemas.microsoft.com/office/powerpoint/2016/sectionzoom" Requires="psez">
+      <mc:AlternateContent xmlns:mc="http://schemas.openxmlformats.org/markup-compatibility/2006" xmlns:psez="http://schemas.microsoft.com/office/powerpoint/2016/sectionzoom">
+        <mc:Choice Requires="psez">
           <p:graphicFrame>
             <p:nvGraphicFramePr>
               <p:cNvPr id="13" name="节缩放定位 12">
@@ -4829,7 +4832,7 @@
                   <psez:sectionZmObj sectionId="{FAE5134E-B745-486F-970A-C4586F3460CB}">
                     <psez:zmPr id="{105B7CE1-60F3-415D-92FF-F65B6E5304AC}" transitionDur="1000">
                       <p166:blipFill xmlns:p166="http://schemas.microsoft.com/office/powerpoint/2016/6/main">
-                        <a:blip r:embed="rId10"/>
+                        <a:blip r:embed="rId14"/>
                         <a:stretch>
                           <a:fillRect/>
                         </a:stretch>
@@ -4855,11 +4858,11 @@
             </a:graphic>
           </p:graphicFrame>
         </mc:Choice>
-        <mc:Fallback>
+        <mc:Fallback xmlns="">
           <p:pic>
             <p:nvPicPr>
               <p:cNvPr id="13" name="节缩放定位 12">
-                <a:hlinkClick r:id="rId11" action="ppaction://hlinksldjump"/>
+                <a:hlinkClick r:id="rId15" action="ppaction://hlinksldjump"/>
                 <a:extLst>
                   <a:ext uri="{FF2B5EF4-FFF2-40B4-BE49-F238E27FC236}">
                     <a16:creationId xmlns:a16="http://schemas.microsoft.com/office/drawing/2014/main" id="{EB1B1979-C41E-6CE9-AFB4-67673330A990}"/>
@@ -4872,7 +4875,7 @@
               <p:nvPr/>
             </p:nvPicPr>
             <p:blipFill>
-              <a:blip r:embed="rId10"/>
+              <a:blip r:embed="rId16"/>
               <a:stretch>
                 <a:fillRect/>
               </a:stretch>
@@ -5305,7 +5308,7 @@
           <a:p>
             <a:r>
               <a:rPr lang="zh-CN" altLang="en-US" dirty="0"/>
-              <a:t>作为产品经理与后端沟通、确认需求，负责与后端对接</a:t>
+              <a:t>作为产品经理与后端沟通、确认需求，与后端对接具体实现</a:t>
             </a:r>
             <a:endParaRPr lang="en-US" altLang="zh-CN" dirty="0"/>
           </a:p>
@@ -5460,6 +5463,9 @@
   <p:clrMapOvr>
     <a:masterClrMapping/>
   </p:clrMapOvr>
+  <p:transition spd="slow">
+    <p:push dir="u"/>
+  </p:transition>
 </p:sld>
 </file>
 
@@ -5547,6 +5553,9 @@
   <p:clrMapOvr>
     <a:masterClrMapping/>
   </p:clrMapOvr>
+  <p:transition spd="slow">
+    <p:push dir="u"/>
+  </p:transition>
 </p:sld>
 </file>
 
@@ -5778,6 +5787,9 @@
   <p:clrMapOvr>
     <a:masterClrMapping/>
   </p:clrMapOvr>
+  <p:transition spd="slow">
+    <p:push dir="u"/>
+  </p:transition>
 </p:sld>
 </file>
 
